--- a/BenefitsEstimation/CodeImpact_Presentation.pptx
+++ b/BenefitsEstimation/CodeImpact_Presentation.pptx
@@ -115,7 +115,7 @@
   </p:defaultTextStyle>
   <p:extLst>
     <p:ext uri="{EFAFB233-063F-42B5-8137-9DF3F51BA10A}">
-      <p15:sldGuideLst xmlns="" xmlns:p15="http://schemas.microsoft.com/office/powerpoint/2012/main">
+      <p15:sldGuideLst xmlns:p15="http://schemas.microsoft.com/office/powerpoint/2012/main">
         <p15:guide id="1" orient="horz" pos="2160">
           <p15:clr>
             <a:srgbClr val="A4A3A4"/>
@@ -176,7 +176,7 @@
           </a:lstStyle>
           <a:p>
             <a:r>
-              <a:rPr lang="en-US" smtClean="0"/>
+              <a:rPr lang="en-US"/>
               <a:t>Click to edit Master title style</a:t>
             </a:r>
             <a:endParaRPr lang="en-US" dirty="0"/>
@@ -256,7 +256,7 @@
           </a:lstStyle>
           <a:p>
             <a:r>
-              <a:rPr lang="en-US" smtClean="0"/>
+              <a:rPr lang="en-US"/>
               <a:t>Click to edit Master subtitle style</a:t>
             </a:r>
             <a:endParaRPr lang="en-US" dirty="0"/>
@@ -284,7 +284,7 @@
           <a:p>
             <a:fld id="{FE8BC13A-84C2-4F23-B046-9F1FD285F1D3}" type="datetimeFigureOut">
               <a:rPr lang="en-US" smtClean="0"/>
-              <a:t>8/26/2017</a:t>
+              <a:t>5/10/2023</a:t>
             </a:fld>
             <a:endParaRPr lang="en-US"/>
           </a:p>
@@ -492,7 +492,7 @@
           <a:lstStyle/>
           <a:p>
             <a:r>
-              <a:rPr lang="en-US" smtClean="0"/>
+              <a:rPr lang="en-US"/>
               <a:t>Click to edit Master title style</a:t>
             </a:r>
             <a:endParaRPr lang="en-US" dirty="0"/>
@@ -516,35 +516,35 @@
           <a:p>
             <a:pPr lvl="0"/>
             <a:r>
-              <a:rPr lang="en-US" smtClean="0"/>
+              <a:rPr lang="en-US"/>
               <a:t>Edit Master text styles</a:t>
             </a:r>
           </a:p>
           <a:p>
             <a:pPr lvl="1"/>
             <a:r>
-              <a:rPr lang="en-US" smtClean="0"/>
+              <a:rPr lang="en-US"/>
               <a:t>Second level</a:t>
             </a:r>
           </a:p>
           <a:p>
             <a:pPr lvl="2"/>
             <a:r>
-              <a:rPr lang="en-US" smtClean="0"/>
+              <a:rPr lang="en-US"/>
               <a:t>Third level</a:t>
             </a:r>
           </a:p>
           <a:p>
             <a:pPr lvl="3"/>
             <a:r>
-              <a:rPr lang="en-US" smtClean="0"/>
+              <a:rPr lang="en-US"/>
               <a:t>Fourth level</a:t>
             </a:r>
           </a:p>
           <a:p>
             <a:pPr lvl="4"/>
             <a:r>
-              <a:rPr lang="en-US" smtClean="0"/>
+              <a:rPr lang="en-US"/>
               <a:t>Fifth level</a:t>
             </a:r>
             <a:endParaRPr lang="en-US" dirty="0"/>
@@ -568,7 +568,7 @@
           <a:p>
             <a:fld id="{FE8BC13A-84C2-4F23-B046-9F1FD285F1D3}" type="datetimeFigureOut">
               <a:rPr lang="en-US" smtClean="0"/>
-              <a:t>8/26/2017</a:t>
+              <a:t>5/10/2023</a:t>
             </a:fld>
             <a:endParaRPr lang="en-US"/>
           </a:p>
@@ -673,7 +673,7 @@
           </a:lstStyle>
           <a:p>
             <a:r>
-              <a:rPr lang="en-US" smtClean="0"/>
+              <a:rPr lang="en-US"/>
               <a:t>Click to edit Master title style</a:t>
             </a:r>
             <a:endParaRPr lang="en-US" dirty="0"/>
@@ -802,7 +802,7 @@
           <a:p>
             <a:pPr lvl="0"/>
             <a:r>
-              <a:rPr lang="en-US" smtClean="0"/>
+              <a:rPr lang="en-US"/>
               <a:t>Edit Master text styles</a:t>
             </a:r>
           </a:p>
@@ -825,7 +825,7 @@
           <a:p>
             <a:fld id="{FE8BC13A-84C2-4F23-B046-9F1FD285F1D3}" type="datetimeFigureOut">
               <a:rPr lang="en-US" smtClean="0"/>
-              <a:t>8/26/2017</a:t>
+              <a:t>5/10/2023</a:t>
             </a:fld>
             <a:endParaRPr lang="en-US"/>
           </a:p>
@@ -1034,7 +1034,7 @@
           <a:lstStyle/>
           <a:p>
             <a:r>
-              <a:rPr lang="en-US" smtClean="0"/>
+              <a:rPr lang="en-US"/>
               <a:t>Click to edit Master title style</a:t>
             </a:r>
             <a:endParaRPr lang="en-US" dirty="0"/>
@@ -1063,35 +1063,35 @@
           <a:p>
             <a:pPr lvl="0"/>
             <a:r>
-              <a:rPr lang="en-US" smtClean="0"/>
+              <a:rPr lang="en-US"/>
               <a:t>Edit Master text styles</a:t>
             </a:r>
           </a:p>
           <a:p>
             <a:pPr lvl="1"/>
             <a:r>
-              <a:rPr lang="en-US" smtClean="0"/>
+              <a:rPr lang="en-US"/>
               <a:t>Second level</a:t>
             </a:r>
           </a:p>
           <a:p>
             <a:pPr lvl="2"/>
             <a:r>
-              <a:rPr lang="en-US" smtClean="0"/>
+              <a:rPr lang="en-US"/>
               <a:t>Third level</a:t>
             </a:r>
           </a:p>
           <a:p>
             <a:pPr lvl="3"/>
             <a:r>
-              <a:rPr lang="en-US" smtClean="0"/>
+              <a:rPr lang="en-US"/>
               <a:t>Fourth level</a:t>
             </a:r>
           </a:p>
           <a:p>
             <a:pPr lvl="4"/>
             <a:r>
-              <a:rPr lang="en-US" smtClean="0"/>
+              <a:rPr lang="en-US"/>
               <a:t>Fifth level</a:t>
             </a:r>
             <a:endParaRPr lang="en-US" dirty="0"/>
@@ -1120,35 +1120,35 @@
           <a:p>
             <a:pPr lvl="0"/>
             <a:r>
-              <a:rPr lang="en-US" smtClean="0"/>
+              <a:rPr lang="en-US"/>
               <a:t>Edit Master text styles</a:t>
             </a:r>
           </a:p>
           <a:p>
             <a:pPr lvl="1"/>
             <a:r>
-              <a:rPr lang="en-US" smtClean="0"/>
+              <a:rPr lang="en-US"/>
               <a:t>Second level</a:t>
             </a:r>
           </a:p>
           <a:p>
             <a:pPr lvl="2"/>
             <a:r>
-              <a:rPr lang="en-US" smtClean="0"/>
+              <a:rPr lang="en-US"/>
               <a:t>Third level</a:t>
             </a:r>
           </a:p>
           <a:p>
             <a:pPr lvl="3"/>
             <a:r>
-              <a:rPr lang="en-US" smtClean="0"/>
+              <a:rPr lang="en-US"/>
               <a:t>Fourth level</a:t>
             </a:r>
           </a:p>
           <a:p>
             <a:pPr lvl="4"/>
             <a:r>
-              <a:rPr lang="en-US" smtClean="0"/>
+              <a:rPr lang="en-US"/>
               <a:t>Fifth level</a:t>
             </a:r>
             <a:endParaRPr lang="en-US" dirty="0"/>
@@ -1172,7 +1172,7 @@
           <a:p>
             <a:fld id="{FE8BC13A-84C2-4F23-B046-9F1FD285F1D3}" type="datetimeFigureOut">
               <a:rPr lang="en-US" smtClean="0"/>
-              <a:t>8/26/2017</a:t>
+              <a:t>5/10/2023</a:t>
             </a:fld>
             <a:endParaRPr lang="en-US"/>
           </a:p>
@@ -1266,7 +1266,7 @@
           <a:lstStyle/>
           <a:p>
             <a:r>
-              <a:rPr lang="en-US" smtClean="0"/>
+              <a:rPr lang="en-US"/>
               <a:t>Click to edit Master title style</a:t>
             </a:r>
             <a:endParaRPr lang="en-US" dirty="0"/>
@@ -1347,7 +1347,7 @@
           <a:p>
             <a:pPr lvl="0"/>
             <a:r>
-              <a:rPr lang="en-US" smtClean="0"/>
+              <a:rPr lang="en-US"/>
               <a:t>Edit Master text styles</a:t>
             </a:r>
           </a:p>
@@ -1375,35 +1375,35 @@
           <a:p>
             <a:pPr lvl="0"/>
             <a:r>
-              <a:rPr lang="en-US" smtClean="0"/>
+              <a:rPr lang="en-US"/>
               <a:t>Edit Master text styles</a:t>
             </a:r>
           </a:p>
           <a:p>
             <a:pPr lvl="1"/>
             <a:r>
-              <a:rPr lang="en-US" smtClean="0"/>
+              <a:rPr lang="en-US"/>
               <a:t>Second level</a:t>
             </a:r>
           </a:p>
           <a:p>
             <a:pPr lvl="2"/>
             <a:r>
-              <a:rPr lang="en-US" smtClean="0"/>
+              <a:rPr lang="en-US"/>
               <a:t>Third level</a:t>
             </a:r>
           </a:p>
           <a:p>
             <a:pPr lvl="3"/>
             <a:r>
-              <a:rPr lang="en-US" smtClean="0"/>
+              <a:rPr lang="en-US"/>
               <a:t>Fourth level</a:t>
             </a:r>
           </a:p>
           <a:p>
             <a:pPr lvl="4"/>
             <a:r>
-              <a:rPr lang="en-US" smtClean="0"/>
+              <a:rPr lang="en-US"/>
               <a:t>Fifth level</a:t>
             </a:r>
             <a:endParaRPr lang="en-US" dirty="0"/>
@@ -1494,7 +1494,7 @@
               <a:buNone/>
             </a:pPr>
             <a:r>
-              <a:rPr lang="en-US" smtClean="0"/>
+              <a:rPr lang="en-US"/>
               <a:t>Edit Master text styles</a:t>
             </a:r>
           </a:p>
@@ -1522,35 +1522,35 @@
           <a:p>
             <a:pPr lvl="0"/>
             <a:r>
-              <a:rPr lang="en-US" smtClean="0"/>
+              <a:rPr lang="en-US"/>
               <a:t>Edit Master text styles</a:t>
             </a:r>
           </a:p>
           <a:p>
             <a:pPr lvl="1"/>
             <a:r>
-              <a:rPr lang="en-US" smtClean="0"/>
+              <a:rPr lang="en-US"/>
               <a:t>Second level</a:t>
             </a:r>
           </a:p>
           <a:p>
             <a:pPr lvl="2"/>
             <a:r>
-              <a:rPr lang="en-US" smtClean="0"/>
+              <a:rPr lang="en-US"/>
               <a:t>Third level</a:t>
             </a:r>
           </a:p>
           <a:p>
             <a:pPr lvl="3"/>
             <a:r>
-              <a:rPr lang="en-US" smtClean="0"/>
+              <a:rPr lang="en-US"/>
               <a:t>Fourth level</a:t>
             </a:r>
           </a:p>
           <a:p>
             <a:pPr lvl="4"/>
             <a:r>
-              <a:rPr lang="en-US" smtClean="0"/>
+              <a:rPr lang="en-US"/>
               <a:t>Fifth level</a:t>
             </a:r>
             <a:endParaRPr lang="en-US" dirty="0"/>
@@ -1574,7 +1574,7 @@
           <a:p>
             <a:fld id="{FE8BC13A-84C2-4F23-B046-9F1FD285F1D3}" type="datetimeFigureOut">
               <a:rPr lang="en-US" smtClean="0"/>
-              <a:t>8/26/2017</a:t>
+              <a:t>5/10/2023</a:t>
             </a:fld>
             <a:endParaRPr lang="en-US"/>
           </a:p>
@@ -1668,7 +1668,7 @@
           <a:lstStyle/>
           <a:p>
             <a:r>
-              <a:rPr lang="en-US" smtClean="0"/>
+              <a:rPr lang="en-US"/>
               <a:t>Click to edit Master title style</a:t>
             </a:r>
             <a:endParaRPr lang="en-US" dirty="0"/>
@@ -1692,7 +1692,7 @@
           <a:p>
             <a:fld id="{FE8BC13A-84C2-4F23-B046-9F1FD285F1D3}" type="datetimeFigureOut">
               <a:rPr lang="en-US" smtClean="0"/>
-              <a:t>8/26/2017</a:t>
+              <a:t>5/10/2023</a:t>
             </a:fld>
             <a:endParaRPr lang="en-US"/>
           </a:p>
@@ -1787,7 +1787,7 @@
           <a:p>
             <a:fld id="{FE8BC13A-84C2-4F23-B046-9F1FD285F1D3}" type="datetimeFigureOut">
               <a:rPr lang="en-US" smtClean="0"/>
-              <a:t>8/26/2017</a:t>
+              <a:t>5/10/2023</a:t>
             </a:fld>
             <a:endParaRPr lang="en-US"/>
           </a:p>
@@ -1895,7 +1895,7 @@
           </a:lstStyle>
           <a:p>
             <a:r>
-              <a:rPr lang="en-US" smtClean="0"/>
+              <a:rPr lang="en-US"/>
               <a:t>Click to edit Master title style</a:t>
             </a:r>
             <a:endParaRPr lang="en-US" dirty="0"/>
@@ -1952,35 +1952,35 @@
           <a:p>
             <a:pPr lvl="0"/>
             <a:r>
-              <a:rPr lang="en-US" smtClean="0"/>
+              <a:rPr lang="en-US"/>
               <a:t>Edit Master text styles</a:t>
             </a:r>
           </a:p>
           <a:p>
             <a:pPr lvl="1"/>
             <a:r>
-              <a:rPr lang="en-US" smtClean="0"/>
+              <a:rPr lang="en-US"/>
               <a:t>Second level</a:t>
             </a:r>
           </a:p>
           <a:p>
             <a:pPr lvl="2"/>
             <a:r>
-              <a:rPr lang="en-US" smtClean="0"/>
+              <a:rPr lang="en-US"/>
               <a:t>Third level</a:t>
             </a:r>
           </a:p>
           <a:p>
             <a:pPr lvl="3"/>
             <a:r>
-              <a:rPr lang="en-US" smtClean="0"/>
+              <a:rPr lang="en-US"/>
               <a:t>Fourth level</a:t>
             </a:r>
           </a:p>
           <a:p>
             <a:pPr lvl="4"/>
             <a:r>
-              <a:rPr lang="en-US" smtClean="0"/>
+              <a:rPr lang="en-US"/>
               <a:t>Fifth level</a:t>
             </a:r>
             <a:endParaRPr lang="en-US" dirty="0"/>
@@ -2054,7 +2054,7 @@
           <a:p>
             <a:pPr lvl="0"/>
             <a:r>
-              <a:rPr lang="en-US" smtClean="0"/>
+              <a:rPr lang="en-US"/>
               <a:t>Edit Master text styles</a:t>
             </a:r>
           </a:p>
@@ -2077,7 +2077,7 @@
           <a:p>
             <a:fld id="{FE8BC13A-84C2-4F23-B046-9F1FD285F1D3}" type="datetimeFigureOut">
               <a:rPr lang="en-US" smtClean="0"/>
-              <a:t>8/26/2017</a:t>
+              <a:t>5/10/2023</a:t>
             </a:fld>
             <a:endParaRPr lang="en-US"/>
           </a:p>
@@ -2182,7 +2182,7 @@
           </a:lstStyle>
           <a:p>
             <a:r>
-              <a:rPr lang="en-US" smtClean="0"/>
+              <a:rPr lang="en-US"/>
               <a:t>Click to edit Master title style</a:t>
             </a:r>
             <a:endParaRPr lang="en-US" dirty="0"/>
@@ -2250,7 +2250,7 @@
           </a:lstStyle>
           <a:p>
             <a:r>
-              <a:rPr lang="en-US" smtClean="0"/>
+              <a:rPr lang="en-US"/>
               <a:t>Click icon to add picture</a:t>
             </a:r>
             <a:endParaRPr lang="en-US" dirty="0"/>
@@ -2331,7 +2331,7 @@
           <a:p>
             <a:pPr lvl="0"/>
             <a:r>
-              <a:rPr lang="en-US" smtClean="0"/>
+              <a:rPr lang="en-US"/>
               <a:t>Edit Master text styles</a:t>
             </a:r>
           </a:p>
@@ -2354,7 +2354,7 @@
           <a:p>
             <a:fld id="{FE8BC13A-84C2-4F23-B046-9F1FD285F1D3}" type="datetimeFigureOut">
               <a:rPr lang="en-US" smtClean="0"/>
-              <a:t>8/26/2017</a:t>
+              <a:t>5/10/2023</a:t>
             </a:fld>
             <a:endParaRPr lang="en-US"/>
           </a:p>
@@ -2501,10 +2501,9 @@
           <a:lstStyle/>
           <a:p>
             <a:r>
-              <a:rPr lang="en-US" dirty="0" smtClean="0"/>
+              <a:rPr lang="en-US" dirty="0"/>
               <a:t>Click to edit Master title style</a:t>
             </a:r>
-            <a:endParaRPr lang="en-US" dirty="0"/>
           </a:p>
         </p:txBody>
       </p:sp>
@@ -2535,35 +2534,35 @@
           <a:p>
             <a:pPr lvl="0"/>
             <a:r>
-              <a:rPr lang="en-US" smtClean="0"/>
+              <a:rPr lang="en-US"/>
               <a:t>Edit Master text styles</a:t>
             </a:r>
           </a:p>
           <a:p>
             <a:pPr lvl="1"/>
             <a:r>
-              <a:rPr lang="en-US" smtClean="0"/>
+              <a:rPr lang="en-US"/>
               <a:t>Second level</a:t>
             </a:r>
           </a:p>
           <a:p>
             <a:pPr lvl="2"/>
             <a:r>
-              <a:rPr lang="en-US" smtClean="0"/>
+              <a:rPr lang="en-US"/>
               <a:t>Third level</a:t>
             </a:r>
           </a:p>
           <a:p>
             <a:pPr lvl="3"/>
             <a:r>
-              <a:rPr lang="en-US" smtClean="0"/>
+              <a:rPr lang="en-US"/>
               <a:t>Fourth level</a:t>
             </a:r>
           </a:p>
           <a:p>
             <a:pPr lvl="4"/>
             <a:r>
-              <a:rPr lang="en-US" smtClean="0"/>
+              <a:rPr lang="en-US"/>
               <a:t>Fifth level</a:t>
             </a:r>
             <a:endParaRPr lang="en-US" dirty="0"/>
@@ -2607,7 +2606,7 @@
           <a:p>
             <a:fld id="{FE8BC13A-84C2-4F23-B046-9F1FD285F1D3}" type="datetimeFigureOut">
               <a:rPr lang="en-US" smtClean="0"/>
-              <a:t>8/26/2017</a:t>
+              <a:t>5/10/2023</a:t>
             </a:fld>
             <a:endParaRPr lang="en-US"/>
           </a:p>
@@ -3164,10 +3163,9 @@
           <a:lstStyle/>
           <a:p>
             <a:r>
-              <a:rPr lang="en-US" dirty="0" smtClean="0"/>
+              <a:rPr lang="en-US" dirty="0"/>
               <a:t>Evolution of CQRS</a:t>
             </a:r>
-            <a:endParaRPr lang="en-US" dirty="0"/>
           </a:p>
         </p:txBody>
       </p:sp>
@@ -3189,7 +3187,7 @@
           <a:lstStyle/>
           <a:p>
             <a:r>
-              <a:rPr lang="en-US" dirty="0" smtClean="0"/>
+              <a:rPr lang="en-US" dirty="0"/>
               <a:t>Presented by Mark Ewer </a:t>
             </a:r>
           </a:p>
@@ -3260,16 +3258,12 @@
           <a:p>
             <a:pPr algn="ctr"/>
             <a:r>
-              <a:rPr lang="en-US" sz="3600" dirty="0" smtClean="0">
+              <a:rPr lang="en-US" sz="3600" dirty="0">
                 <a:latin typeface="Arial" panose="020B0604020202020204" pitchFamily="34" charset="0"/>
                 <a:cs typeface="Arial" panose="020B0604020202020204" pitchFamily="34" charset="0"/>
               </a:rPr>
               <a:t>CODE IMPACT 2017</a:t>
             </a:r>
-            <a:endParaRPr lang="en-US" sz="3600" dirty="0">
-              <a:latin typeface="Arial" panose="020B0604020202020204" pitchFamily="34" charset="0"/>
-              <a:cs typeface="Arial" panose="020B0604020202020204" pitchFamily="34" charset="0"/>
-            </a:endParaRPr>
           </a:p>
         </p:txBody>
       </p:sp>
@@ -3283,13 +3277,6 @@
   <p:clrMapOvr>
     <a:masterClrMapping/>
   </p:clrMapOvr>
-  <p:timing>
-    <p:tnLst>
-      <p:par>
-        <p:cTn id="1" dur="indefinite" restart="never" nodeType="tmRoot"/>
-      </p:par>
-    </p:tnLst>
-  </p:timing>
 </p:sld>
 </file>
 
@@ -3326,10 +3313,9 @@
           <a:lstStyle/>
           <a:p>
             <a:r>
-              <a:rPr lang="en-US" dirty="0" smtClean="0"/>
+              <a:rPr lang="en-US" dirty="0"/>
               <a:t>Thank YOU CODE IMPACT!</a:t>
             </a:r>
-            <a:endParaRPr lang="en-US" dirty="0"/>
           </a:p>
         </p:txBody>
       </p:sp>
@@ -3349,108 +3335,83 @@
           <a:lstStyle/>
           <a:p>
             <a:r>
-              <a:rPr lang="en-US" smtClean="0"/>
+              <a:rPr lang="en-US" dirty="0"/>
               <a:t>Sample code and slides available online via my GitHub repository:</a:t>
             </a:r>
           </a:p>
           <a:p>
             <a:r>
-              <a:rPr lang="en-US" sz="1800" smtClean="0">
+              <a:rPr lang="en-US" sz="1800" dirty="0">
                 <a:hlinkClick r:id="rId2"/>
               </a:rPr>
               <a:t>https://github.com/MarkEwer/JaxDugSamples</a:t>
             </a:r>
             <a:r>
-              <a:rPr lang="en-US" sz="1800" smtClean="0"/>
+              <a:rPr lang="en-US" sz="1800" dirty="0"/>
               <a:t> </a:t>
             </a:r>
           </a:p>
           <a:p>
             <a:pPr algn="ctr"/>
             <a:r>
-              <a:rPr lang="en-US" smtClean="0"/>
+              <a:rPr lang="en-US" dirty="0"/>
               <a:t>______________________________</a:t>
             </a:r>
           </a:p>
           <a:p>
-            <a:endParaRPr lang="en-US" smtClean="0"/>
-          </a:p>
-          <a:p>
-            <a:r>
-              <a:rPr lang="en-US" sz="1300" smtClean="0"/>
-              <a:t>Work:  </a:t>
-            </a:r>
-            <a:r>
-              <a:rPr lang="en-US" sz="1300" smtClean="0">
+            <a:endParaRPr lang="en-US" dirty="0"/>
+          </a:p>
+          <a:p>
+            <a:r>
+              <a:rPr lang="en-US" sz="1300" dirty="0"/>
+              <a:t>Email: </a:t>
+            </a:r>
+            <a:r>
+              <a:rPr lang="en-US" sz="1300" dirty="0">
                 <a:hlinkClick r:id="rId3"/>
               </a:rPr>
-              <a:t>Mewer@DiscoverTec.com</a:t>
-            </a:r>
-            <a:r>
-              <a:rPr lang="en-US" sz="1300" smtClean="0"/>
-              <a:t/>
+              <a:t>Mark@3w3r.com</a:t>
             </a:r>
             <a:br>
-              <a:rPr lang="en-US" sz="1300" smtClean="0"/>
+              <a:rPr lang="en-US" sz="1300" dirty="0"/>
             </a:br>
             <a:r>
-              <a:rPr lang="en-US" sz="1300" smtClean="0"/>
-              <a:t>Personal: </a:t>
-            </a:r>
-            <a:r>
-              <a:rPr lang="en-US" sz="1300" smtClean="0">
+              <a:rPr lang="en-US" sz="1300" dirty="0"/>
+              <a:t>Web: </a:t>
+            </a:r>
+            <a:r>
+              <a:rPr lang="en-US" sz="1300" dirty="0">
                 <a:hlinkClick r:id="rId4"/>
               </a:rPr>
-              <a:t>Mark@3w3r.com</a:t>
-            </a:r>
-            <a:r>
-              <a:rPr lang="en-US" sz="1300" smtClean="0"/>
-              <a:t/>
+              <a:t>http://www.markewer.com</a:t>
             </a:r>
             <a:br>
-              <a:rPr lang="en-US" sz="1300" smtClean="0"/>
+              <a:rPr lang="en-US" sz="1300" dirty="0"/>
             </a:br>
             <a:r>
-              <a:rPr lang="en-US" sz="1300" smtClean="0"/>
-              <a:t>Web: </a:t>
-            </a:r>
-            <a:r>
-              <a:rPr lang="en-US" sz="1300" smtClean="0">
+              <a:rPr lang="en-US" sz="1300" dirty="0"/>
+              <a:t>LinkedIn: </a:t>
+            </a:r>
+            <a:r>
+              <a:rPr lang="en-US" sz="1300" dirty="0">
                 <a:hlinkClick r:id="rId5"/>
               </a:rPr>
-              <a:t>http://www.markewer.com</a:t>
-            </a:r>
-            <a:r>
-              <a:rPr lang="en-US" sz="1300" smtClean="0"/>
-              <a:t/>
+              <a:t>http://www.linkein.com/in/markewer</a:t>
+            </a:r>
+            <a:r>
+              <a:rPr lang="en-US" sz="1300" dirty="0"/>
+              <a:t> </a:t>
             </a:r>
             <a:br>
-              <a:rPr lang="en-US" sz="1300" smtClean="0"/>
+              <a:rPr lang="en-US" sz="1300" dirty="0"/>
             </a:br>
             <a:r>
-              <a:rPr lang="en-US" sz="1300" smtClean="0"/>
-              <a:t>LinkedIn: </a:t>
-            </a:r>
-            <a:r>
-              <a:rPr lang="en-US" sz="1300" smtClean="0">
-                <a:hlinkClick r:id="rId6"/>
-              </a:rPr>
-              <a:t>http://www.linkein.com/in/markewer</a:t>
-            </a:r>
-            <a:r>
-              <a:rPr lang="en-US" sz="1300" smtClean="0"/>
-              <a:t> </a:t>
-            </a:r>
-            <a:br>
-              <a:rPr lang="en-US" sz="1300" smtClean="0"/>
-            </a:br>
-            <a:r>
-              <a:rPr lang="en-US" sz="1300" smtClean="0"/>
+              <a:rPr lang="en-US" sz="1300" dirty="0"/>
               <a:t>Phone: (904) 238-7347</a:t>
             </a:r>
           </a:p>
           <a:p>
-            <a:endParaRPr lang="en-US"/>
+            <a:endParaRPr lang="en-US" dirty="0"/>
           </a:p>
         </p:txBody>
       </p:sp>
@@ -3483,13 +3444,6 @@
   <p:clrMapOvr>
     <a:masterClrMapping/>
   </p:clrMapOvr>
-  <p:timing>
-    <p:tnLst>
-      <p:par>
-        <p:cTn id="1" dur="indefinite" restart="never" nodeType="tmRoot"/>
-      </p:par>
-    </p:tnLst>
-  </p:timing>
 </p:sld>
 </file>
 
@@ -3526,10 +3480,9 @@
           <a:lstStyle/>
           <a:p>
             <a:r>
-              <a:rPr lang="en-US" dirty="0" smtClean="0"/>
+              <a:rPr lang="en-US" dirty="0"/>
               <a:t>Agenda</a:t>
             </a:r>
-            <a:endParaRPr lang="en-US" dirty="0"/>
           </a:p>
         </p:txBody>
       </p:sp>
@@ -3551,48 +3504,48 @@
           <a:lstStyle/>
           <a:p>
             <a:r>
-              <a:rPr lang="en-US" dirty="0" smtClean="0"/>
+              <a:rPr lang="en-US" dirty="0"/>
               <a:t>What is an CQRS+ES?</a:t>
             </a:r>
           </a:p>
           <a:p>
             <a:pPr lvl="1"/>
             <a:r>
-              <a:rPr lang="en-US" dirty="0" smtClean="0"/>
+              <a:rPr lang="en-US" dirty="0"/>
               <a:t>Typical Web Application Architecture</a:t>
             </a:r>
           </a:p>
           <a:p>
             <a:pPr lvl="1"/>
             <a:r>
-              <a:rPr lang="en-US" dirty="0" smtClean="0"/>
+              <a:rPr lang="en-US" dirty="0"/>
               <a:t>Make It Faster With Caching</a:t>
             </a:r>
           </a:p>
           <a:p>
             <a:pPr lvl="1"/>
             <a:r>
-              <a:rPr lang="en-US" dirty="0" smtClean="0"/>
+              <a:rPr lang="en-US" dirty="0"/>
               <a:t>Keep It Fast With Persistent Cache</a:t>
             </a:r>
           </a:p>
           <a:p>
             <a:pPr lvl="1"/>
             <a:r>
-              <a:rPr lang="en-US" dirty="0" smtClean="0"/>
+              <a:rPr lang="en-US" dirty="0"/>
               <a:t>Refactor Your Architecture Event Sourcing</a:t>
             </a:r>
           </a:p>
           <a:p>
             <a:pPr lvl="1"/>
             <a:r>
-              <a:rPr lang="en-US" dirty="0" smtClean="0"/>
+              <a:rPr lang="en-US" dirty="0"/>
               <a:t>CQRS!</a:t>
             </a:r>
           </a:p>
           <a:p>
             <a:r>
-              <a:rPr lang="en-US" dirty="0" smtClean="0"/>
+              <a:rPr lang="en-US" dirty="0"/>
               <a:t>Code Demo</a:t>
             </a:r>
           </a:p>
@@ -3637,7 +3590,7 @@
         <p:spPr>
           <a:xfrm>
             <a:off x="7394217" y="5034844"/>
-            <a:ext cx="4499693" cy="1477328"/>
+            <a:ext cx="4499693" cy="1200329"/>
           </a:xfrm>
           <a:prstGeom prst="rect">
             <a:avLst/>
@@ -3651,62 +3604,49 @@
           <a:lstStyle/>
           <a:p>
             <a:r>
-              <a:rPr lang="en-US" dirty="0"/>
-              <a:t>Work:  </a:t>
+              <a:rPr lang="en-US"/>
+              <a:t>Email: </a:t>
             </a:r>
             <a:r>
               <a:rPr lang="en-US" dirty="0">
                 <a:hlinkClick r:id="rId3"/>
               </a:rPr>
-              <a:t>Mewer@DiscoverTec.com</a:t>
+              <a:t>Mark@3w3r.com</a:t>
             </a:r>
             <a:endParaRPr lang="en-US" dirty="0"/>
           </a:p>
           <a:p>
             <a:r>
               <a:rPr lang="en-US" dirty="0"/>
-              <a:t>Personal: </a:t>
+              <a:t>Web: </a:t>
             </a:r>
             <a:r>
               <a:rPr lang="en-US" dirty="0">
                 <a:hlinkClick r:id="rId4"/>
               </a:rPr>
-              <a:t>Mark@3w3r.com</a:t>
+              <a:t>http://www.markewer.com</a:t>
             </a:r>
             <a:endParaRPr lang="en-US" dirty="0"/>
           </a:p>
           <a:p>
             <a:r>
-              <a:rPr lang="en-US" dirty="0" smtClean="0"/>
-              <a:t>Web: </a:t>
-            </a:r>
-            <a:r>
-              <a:rPr lang="en-US" dirty="0" smtClean="0">
+              <a:rPr lang="en-US" dirty="0"/>
+              <a:t>LinkedIn: </a:t>
+            </a:r>
+            <a:r>
+              <a:rPr lang="en-US" dirty="0">
                 <a:hlinkClick r:id="rId5"/>
               </a:rPr>
-              <a:t>http://www.markewer.com</a:t>
-            </a:r>
-            <a:endParaRPr lang="en-US" dirty="0" smtClean="0"/>
-          </a:p>
-          <a:p>
-            <a:r>
-              <a:rPr lang="en-US" dirty="0" smtClean="0"/>
-              <a:t>LinkedIn: </a:t>
-            </a:r>
-            <a:r>
-              <a:rPr lang="en-US" dirty="0" smtClean="0">
-                <a:hlinkClick r:id="rId6"/>
-              </a:rPr>
               <a:t>http://www.linkein.com/in/markewer</a:t>
             </a:r>
             <a:r>
-              <a:rPr lang="en-US" dirty="0" smtClean="0"/>
+              <a:rPr lang="en-US" dirty="0"/>
               <a:t> </a:t>
             </a:r>
           </a:p>
           <a:p>
             <a:r>
-              <a:rPr lang="en-US" dirty="0" smtClean="0"/>
+              <a:rPr lang="en-US" dirty="0"/>
               <a:t>Phone: (904) 238-7347</a:t>
             </a:r>
           </a:p>
@@ -3722,13 +3662,6 @@
   <p:clrMapOvr>
     <a:masterClrMapping/>
   </p:clrMapOvr>
-  <p:timing>
-    <p:tnLst>
-      <p:par>
-        <p:cTn id="1" dur="indefinite" restart="never" nodeType="tmRoot"/>
-      </p:par>
-    </p:tnLst>
-  </p:timing>
 </p:sld>
 </file>
 
@@ -3765,10 +3698,9 @@
           <a:lstStyle/>
           <a:p>
             <a:r>
-              <a:rPr lang="en-US" dirty="0" smtClean="0"/>
+              <a:rPr lang="en-US" dirty="0"/>
               <a:t>What is an CQRS+ES?</a:t>
             </a:r>
-            <a:endParaRPr lang="en-US" dirty="0"/>
           </a:p>
         </p:txBody>
       </p:sp>
@@ -3791,67 +3723,67 @@
           <a:p>
             <a:pPr lvl="1"/>
             <a:r>
-              <a:rPr lang="en-US" dirty="0" smtClean="0"/>
+              <a:rPr lang="en-US" dirty="0"/>
               <a:t>Command and Query Responsibility Separation (CQRS)</a:t>
             </a:r>
           </a:p>
           <a:p>
             <a:pPr lvl="2"/>
             <a:r>
-              <a:rPr lang="en-US" dirty="0" smtClean="0"/>
+              <a:rPr lang="en-US" dirty="0"/>
               <a:t>The idea that what makes a good and performant database for writing is not the same as what makes a good and performant database for reading.</a:t>
             </a:r>
           </a:p>
           <a:p>
             <a:pPr lvl="2"/>
             <a:r>
-              <a:rPr lang="en-US" dirty="0" smtClean="0"/>
+              <a:rPr lang="en-US" dirty="0"/>
               <a:t>Separating the Write database from the Read database means you can optimize them separately</a:t>
             </a:r>
           </a:p>
           <a:p>
             <a:pPr lvl="2"/>
             <a:r>
-              <a:rPr lang="en-US" dirty="0" smtClean="0"/>
+              <a:rPr lang="en-US" dirty="0"/>
               <a:t>Separating your Write application logic from your Read application logic means they can also be optimized separately</a:t>
             </a:r>
           </a:p>
           <a:p>
             <a:pPr lvl="2"/>
             <a:r>
-              <a:rPr lang="en-US" dirty="0" smtClean="0"/>
+              <a:rPr lang="en-US" dirty="0"/>
               <a:t>Meant to take advantage of “background work” that happens on the server outside of the user’s view</a:t>
             </a:r>
           </a:p>
           <a:p>
             <a:pPr lvl="2"/>
-            <a:endParaRPr lang="en-US" dirty="0" smtClean="0"/>
+            <a:endParaRPr lang="en-US" dirty="0"/>
           </a:p>
           <a:p>
             <a:pPr lvl="1"/>
             <a:r>
-              <a:rPr lang="en-US" dirty="0" smtClean="0"/>
+              <a:rPr lang="en-US" dirty="0"/>
               <a:t>Event Sourcing (ES)</a:t>
             </a:r>
           </a:p>
           <a:p>
             <a:pPr lvl="2"/>
             <a:r>
-              <a:rPr lang="en-US" dirty="0" smtClean="0"/>
+              <a:rPr lang="en-US" dirty="0"/>
               <a:t>Instead of storing the current state of a data record, store all of the “events” that lead to the creation of that record so you can restore them to any point in time.</a:t>
             </a:r>
           </a:p>
           <a:p>
             <a:pPr lvl="2"/>
             <a:r>
-              <a:rPr lang="en-US" dirty="0" smtClean="0"/>
+              <a:rPr lang="en-US" dirty="0"/>
               <a:t>Gives you the ultimate “fall back” data and a 100% transaction log at the same time.</a:t>
             </a:r>
           </a:p>
           <a:p>
             <a:pPr lvl="2"/>
             <a:r>
-              <a:rPr lang="en-US" dirty="0" smtClean="0"/>
+              <a:rPr lang="en-US" dirty="0"/>
               <a:t>Also gives you a clear architectural pattern for mapping business concepts to data operations</a:t>
             </a:r>
           </a:p>
@@ -3862,7 +3794,7 @@
           <a:p>
             <a:pPr lvl="1"/>
             <a:r>
-              <a:rPr lang="en-US" dirty="0" smtClean="0"/>
+              <a:rPr lang="en-US" dirty="0"/>
               <a:t>CQRS and ES are best buddies!</a:t>
             </a:r>
           </a:p>
@@ -3878,13 +3810,6 @@
   <p:clrMapOvr>
     <a:masterClrMapping/>
   </p:clrMapOvr>
-  <p:timing>
-    <p:tnLst>
-      <p:par>
-        <p:cTn id="1" dur="indefinite" restart="never" nodeType="tmRoot"/>
-      </p:par>
-    </p:tnLst>
-  </p:timing>
 </p:sld>
 </file>
 
@@ -3923,10 +3848,9 @@
           <a:lstStyle/>
           <a:p>
             <a:r>
-              <a:rPr lang="en-US" dirty="0" smtClean="0"/>
+              <a:rPr lang="en-US" dirty="0"/>
               <a:t>Typical Web Application Architecture</a:t>
             </a:r>
-            <a:endParaRPr lang="en-US" dirty="0"/>
           </a:p>
         </p:txBody>
       </p:sp>
@@ -3967,10 +3891,9 @@
           <a:p>
             <a:pPr algn="ctr"/>
             <a:r>
-              <a:rPr lang="en-US" dirty="0" smtClean="0"/>
+              <a:rPr lang="en-US" dirty="0"/>
               <a:t>Angular JS Client</a:t>
             </a:r>
-            <a:endParaRPr lang="en-US" dirty="0"/>
           </a:p>
         </p:txBody>
       </p:sp>
@@ -4011,7 +3934,7 @@
           <a:p>
             <a:pPr algn="ctr"/>
             <a:r>
-              <a:rPr lang="en-US" dirty="0" err="1" smtClean="0"/>
+              <a:rPr lang="en-US" dirty="0" err="1"/>
               <a:t>IRepository</a:t>
             </a:r>
             <a:endParaRPr lang="en-US" dirty="0"/>
@@ -4055,18 +3978,17 @@
           <a:p>
             <a:pPr algn="ctr"/>
             <a:r>
-              <a:rPr lang="en-US" dirty="0" smtClean="0"/>
+              <a:rPr lang="en-US" dirty="0"/>
               <a:t>JSON REST Service (</a:t>
             </a:r>
             <a:r>
-              <a:rPr lang="en-US" dirty="0" err="1" smtClean="0"/>
+              <a:rPr lang="en-US" dirty="0" err="1"/>
               <a:t>WebApi</a:t>
             </a:r>
             <a:r>
-              <a:rPr lang="en-US" dirty="0" smtClean="0"/>
+              <a:rPr lang="en-US" dirty="0"/>
               <a:t>)</a:t>
             </a:r>
-            <a:endParaRPr lang="en-US" dirty="0"/>
           </a:p>
         </p:txBody>
       </p:sp>
@@ -4107,10 +4029,9 @@
           <a:p>
             <a:pPr algn="ctr"/>
             <a:r>
-              <a:rPr lang="en-US" dirty="0" smtClean="0"/>
+              <a:rPr lang="en-US" dirty="0"/>
               <a:t>POCO Entity</a:t>
             </a:r>
-            <a:endParaRPr lang="en-US" dirty="0"/>
           </a:p>
         </p:txBody>
       </p:sp>
@@ -4151,7 +4072,7 @@
           <a:p>
             <a:pPr algn="ctr"/>
             <a:r>
-              <a:rPr lang="en-US" dirty="0" err="1" smtClean="0"/>
+              <a:rPr lang="en-US" dirty="0" err="1"/>
               <a:t>DataContext</a:t>
             </a:r>
             <a:endParaRPr lang="en-US" dirty="0"/>
@@ -4195,10 +4116,9 @@
           <a:p>
             <a:pPr algn="ctr"/>
             <a:r>
-              <a:rPr lang="en-US" dirty="0" smtClean="0"/>
+              <a:rPr lang="en-US" dirty="0"/>
               <a:t>MS SQL Server</a:t>
             </a:r>
-            <a:endParaRPr lang="en-US" dirty="0"/>
           </a:p>
         </p:txBody>
       </p:sp>
@@ -4657,16 +4577,15 @@
           <a:lstStyle/>
           <a:p>
             <a:r>
-              <a:rPr lang="en-US" dirty="0" smtClean="0"/>
+              <a:rPr lang="en-US" dirty="0"/>
               <a:t>Write</a:t>
             </a:r>
           </a:p>
           <a:p>
             <a:r>
-              <a:rPr lang="en-US" dirty="0" smtClean="0"/>
+              <a:rPr lang="en-US" dirty="0"/>
               <a:t>Read</a:t>
             </a:r>
-            <a:endParaRPr lang="en-US" dirty="0"/>
           </a:p>
         </p:txBody>
       </p:sp>
@@ -4851,7 +4770,7 @@
           <a:p>
             <a:pPr algn="ctr"/>
             <a:r>
-              <a:rPr lang="en-US" dirty="0" smtClean="0">
+              <a:rPr lang="en-US" dirty="0">
                 <a:solidFill>
                   <a:srgbClr val="FF0000"/>
                 </a:solidFill>
@@ -4859,7 +4778,7 @@
               <a:t>I’m </a:t>
             </a:r>
             <a:r>
-              <a:rPr lang="en-US" dirty="0" err="1" smtClean="0">
+              <a:rPr lang="en-US" dirty="0" err="1">
                 <a:solidFill>
                   <a:srgbClr val="FF0000"/>
                 </a:solidFill>
@@ -4867,18 +4786,13 @@
               <a:t>Burnin</a:t>
             </a:r>
             <a:r>
-              <a:rPr lang="en-US" dirty="0" smtClean="0">
+              <a:rPr lang="en-US" dirty="0">
                 <a:solidFill>
                   <a:srgbClr val="FF0000"/>
                 </a:solidFill>
               </a:rPr>
               <a:t>’ Up Over Here!</a:t>
             </a:r>
-            <a:endParaRPr lang="en-US" dirty="0">
-              <a:solidFill>
-                <a:srgbClr val="FF0000"/>
-              </a:solidFill>
-            </a:endParaRPr>
           </a:p>
         </p:txBody>
       </p:sp>
@@ -5236,10 +5150,9 @@
           <a:lstStyle/>
           <a:p>
             <a:r>
-              <a:rPr lang="en-US" dirty="0" smtClean="0"/>
+              <a:rPr lang="en-US" dirty="0"/>
               <a:t>Make It Faster With Caching</a:t>
             </a:r>
-            <a:endParaRPr lang="en-US" dirty="0"/>
           </a:p>
         </p:txBody>
       </p:sp>
@@ -5280,10 +5193,9 @@
           <a:p>
             <a:pPr algn="ctr"/>
             <a:r>
-              <a:rPr lang="en-US" dirty="0" smtClean="0"/>
+              <a:rPr lang="en-US" dirty="0"/>
               <a:t>Angular JS Client</a:t>
             </a:r>
-            <a:endParaRPr lang="en-US" dirty="0"/>
           </a:p>
         </p:txBody>
       </p:sp>
@@ -5324,7 +5236,7 @@
           <a:p>
             <a:pPr algn="ctr"/>
             <a:r>
-              <a:rPr lang="en-US" dirty="0" err="1" smtClean="0"/>
+              <a:rPr lang="en-US" dirty="0" err="1"/>
               <a:t>IRepository</a:t>
             </a:r>
             <a:endParaRPr lang="en-US" dirty="0"/>
@@ -5368,18 +5280,17 @@
           <a:p>
             <a:pPr algn="ctr"/>
             <a:r>
-              <a:rPr lang="en-US" dirty="0" smtClean="0"/>
+              <a:rPr lang="en-US" dirty="0"/>
               <a:t>JSON REST Service (</a:t>
             </a:r>
             <a:r>
-              <a:rPr lang="en-US" dirty="0" err="1" smtClean="0"/>
+              <a:rPr lang="en-US" dirty="0" err="1"/>
               <a:t>WebApi</a:t>
             </a:r>
             <a:r>
-              <a:rPr lang="en-US" dirty="0" smtClean="0"/>
+              <a:rPr lang="en-US" dirty="0"/>
               <a:t>)</a:t>
             </a:r>
-            <a:endParaRPr lang="en-US" dirty="0"/>
           </a:p>
         </p:txBody>
       </p:sp>
@@ -5420,10 +5331,9 @@
           <a:p>
             <a:pPr algn="ctr"/>
             <a:r>
-              <a:rPr lang="en-US" dirty="0" smtClean="0"/>
+              <a:rPr lang="en-US" dirty="0"/>
               <a:t>POCO Entity</a:t>
             </a:r>
-            <a:endParaRPr lang="en-US" dirty="0"/>
           </a:p>
         </p:txBody>
       </p:sp>
@@ -5464,7 +5374,7 @@
           <a:p>
             <a:pPr algn="ctr"/>
             <a:r>
-              <a:rPr lang="en-US" dirty="0" err="1" smtClean="0"/>
+              <a:rPr lang="en-US" dirty="0" err="1"/>
               <a:t>DataContext</a:t>
             </a:r>
             <a:endParaRPr lang="en-US" dirty="0"/>
@@ -5508,10 +5418,9 @@
           <a:p>
             <a:pPr algn="ctr"/>
             <a:r>
-              <a:rPr lang="en-US" dirty="0" smtClean="0"/>
+              <a:rPr lang="en-US" dirty="0"/>
               <a:t>MS SQL Server</a:t>
             </a:r>
-            <a:endParaRPr lang="en-US" dirty="0"/>
           </a:p>
         </p:txBody>
       </p:sp>
@@ -5971,16 +5880,15 @@
           <a:lstStyle/>
           <a:p>
             <a:r>
-              <a:rPr lang="en-US" dirty="0" smtClean="0"/>
+              <a:rPr lang="en-US" dirty="0"/>
               <a:t>Write</a:t>
             </a:r>
           </a:p>
           <a:p>
             <a:r>
-              <a:rPr lang="en-US" dirty="0" smtClean="0"/>
+              <a:rPr lang="en-US" dirty="0"/>
               <a:t>Read</a:t>
             </a:r>
-            <a:endParaRPr lang="en-US" dirty="0"/>
           </a:p>
         </p:txBody>
       </p:sp>
@@ -6021,10 +5929,9 @@
           <a:p>
             <a:pPr algn="ctr"/>
             <a:r>
-              <a:rPr lang="en-US" dirty="0" smtClean="0"/>
+              <a:rPr lang="en-US" dirty="0"/>
               <a:t>RAM Cache</a:t>
             </a:r>
-            <a:endParaRPr lang="en-US" dirty="0"/>
           </a:p>
         </p:txBody>
       </p:sp>
@@ -6119,10 +6026,9 @@
             <a:p>
               <a:pPr algn="ctr"/>
               <a:r>
-                <a:rPr lang="en-US" dirty="0" smtClean="0"/>
+                <a:rPr lang="en-US" dirty="0"/>
                 <a:t>?</a:t>
               </a:r>
-              <a:endParaRPr lang="en-US" dirty="0"/>
             </a:p>
           </p:txBody>
         </p:sp>
@@ -6168,10 +6074,9 @@
           <a:p>
             <a:pPr algn="ctr"/>
             <a:r>
-              <a:rPr lang="en-US" dirty="0" smtClean="0"/>
+              <a:rPr lang="en-US" dirty="0"/>
               <a:t>This is faster, but I wish we didn’t have to keep re-loading the cache items.</a:t>
             </a:r>
-            <a:endParaRPr lang="en-US" dirty="0"/>
           </a:p>
         </p:txBody>
       </p:sp>
@@ -6212,17 +6117,16 @@
           <a:p>
             <a:pPr algn="ctr"/>
             <a:r>
-              <a:rPr lang="en-US" dirty="0" smtClean="0"/>
+              <a:rPr lang="en-US" dirty="0"/>
               <a:t>View</a:t>
             </a:r>
           </a:p>
           <a:p>
             <a:pPr algn="ctr"/>
             <a:r>
-              <a:rPr lang="en-US" dirty="0" smtClean="0"/>
+              <a:rPr lang="en-US" dirty="0"/>
               <a:t>Model</a:t>
             </a:r>
-            <a:endParaRPr lang="en-US" dirty="0"/>
           </a:p>
         </p:txBody>
       </p:sp>
@@ -6392,10 +6296,9 @@
           <a:lstStyle/>
           <a:p>
             <a:r>
-              <a:rPr lang="en-US" dirty="0" smtClean="0"/>
+              <a:rPr lang="en-US" dirty="0"/>
               <a:t>Keep It Fast With Persistent Cache</a:t>
             </a:r>
-            <a:endParaRPr lang="en-US" dirty="0"/>
           </a:p>
         </p:txBody>
       </p:sp>
@@ -6436,10 +6339,9 @@
           <a:p>
             <a:pPr algn="ctr"/>
             <a:r>
-              <a:rPr lang="en-US" dirty="0" smtClean="0"/>
+              <a:rPr lang="en-US" dirty="0"/>
               <a:t>Angular JS Client</a:t>
             </a:r>
-            <a:endParaRPr lang="en-US" dirty="0"/>
           </a:p>
         </p:txBody>
       </p:sp>
@@ -6480,7 +6382,7 @@
           <a:p>
             <a:pPr algn="ctr"/>
             <a:r>
-              <a:rPr lang="en-US" dirty="0" err="1" smtClean="0"/>
+              <a:rPr lang="en-US" dirty="0" err="1"/>
               <a:t>IRepository</a:t>
             </a:r>
             <a:endParaRPr lang="en-US" dirty="0"/>
@@ -6524,18 +6426,17 @@
           <a:p>
             <a:pPr algn="ctr"/>
             <a:r>
-              <a:rPr lang="en-US" dirty="0" smtClean="0"/>
+              <a:rPr lang="en-US" dirty="0"/>
               <a:t>JSON REST Service (</a:t>
             </a:r>
             <a:r>
-              <a:rPr lang="en-US" dirty="0" err="1" smtClean="0"/>
+              <a:rPr lang="en-US" dirty="0" err="1"/>
               <a:t>WebApi</a:t>
             </a:r>
             <a:r>
-              <a:rPr lang="en-US" dirty="0" smtClean="0"/>
+              <a:rPr lang="en-US" dirty="0"/>
               <a:t>)</a:t>
             </a:r>
-            <a:endParaRPr lang="en-US" dirty="0"/>
           </a:p>
         </p:txBody>
       </p:sp>
@@ -6576,10 +6477,9 @@
           <a:p>
             <a:pPr algn="ctr"/>
             <a:r>
-              <a:rPr lang="en-US" dirty="0" smtClean="0"/>
+              <a:rPr lang="en-US" dirty="0"/>
               <a:t>POCO Entity</a:t>
             </a:r>
-            <a:endParaRPr lang="en-US" dirty="0"/>
           </a:p>
         </p:txBody>
       </p:sp>
@@ -6620,7 +6520,7 @@
           <a:p>
             <a:pPr algn="ctr"/>
             <a:r>
-              <a:rPr lang="en-US" dirty="0" err="1" smtClean="0"/>
+              <a:rPr lang="en-US" dirty="0" err="1"/>
               <a:t>DataContext</a:t>
             </a:r>
             <a:endParaRPr lang="en-US" dirty="0"/>
@@ -6664,10 +6564,9 @@
           <a:p>
             <a:pPr algn="ctr"/>
             <a:r>
-              <a:rPr lang="en-US" dirty="0" smtClean="0"/>
+              <a:rPr lang="en-US" dirty="0"/>
               <a:t>MS SQL Server</a:t>
             </a:r>
-            <a:endParaRPr lang="en-US" dirty="0"/>
           </a:p>
         </p:txBody>
       </p:sp>
@@ -7061,14 +6960,13 @@
           <a:p>
             <a:pPr algn="ctr"/>
             <a:r>
-              <a:rPr lang="en-US" dirty="0" err="1" smtClean="0"/>
+              <a:rPr lang="en-US" dirty="0" err="1"/>
               <a:t>ViewModel</a:t>
             </a:r>
             <a:r>
-              <a:rPr lang="en-US" dirty="0" smtClean="0"/>
+              <a:rPr lang="en-US" dirty="0"/>
               <a:t> Manager</a:t>
             </a:r>
-            <a:endParaRPr lang="en-US" dirty="0"/>
           </a:p>
         </p:txBody>
       </p:sp>
@@ -7411,25 +7309,24 @@
             <a:p>
               <a:pPr algn="ctr"/>
               <a:r>
-                <a:rPr lang="en-US" dirty="0" smtClean="0"/>
+                <a:rPr lang="en-US" dirty="0"/>
                 <a:t>Persistent</a:t>
               </a:r>
             </a:p>
             <a:p>
               <a:pPr algn="ctr"/>
               <a:r>
-                <a:rPr lang="en-US" dirty="0" err="1" smtClean="0"/>
+                <a:rPr lang="en-US" dirty="0" err="1"/>
                 <a:t>ViewModel</a:t>
               </a:r>
-              <a:endParaRPr lang="en-US" dirty="0" smtClean="0"/>
+              <a:endParaRPr lang="en-US" dirty="0"/>
             </a:p>
             <a:p>
               <a:pPr algn="ctr"/>
               <a:r>
-                <a:rPr lang="en-US" dirty="0" smtClean="0"/>
+                <a:rPr lang="en-US" dirty="0"/>
                 <a:t>Cache</a:t>
               </a:r>
-              <a:endParaRPr lang="en-US" dirty="0"/>
             </a:p>
           </p:txBody>
         </p:sp>
@@ -7471,17 +7368,16 @@
           <a:p>
             <a:pPr algn="ctr"/>
             <a:r>
-              <a:rPr lang="en-US" dirty="0" smtClean="0"/>
+              <a:rPr lang="en-US" dirty="0"/>
               <a:t>View</a:t>
             </a:r>
           </a:p>
           <a:p>
             <a:pPr algn="ctr"/>
             <a:r>
-              <a:rPr lang="en-US" dirty="0" smtClean="0"/>
+              <a:rPr lang="en-US" dirty="0"/>
               <a:t>Model</a:t>
             </a:r>
-            <a:endParaRPr lang="en-US" dirty="0"/>
           </a:p>
         </p:txBody>
       </p:sp>
@@ -7695,10 +7591,9 @@
           <a:lstStyle/>
           <a:p>
             <a:r>
-              <a:rPr lang="en-US" dirty="0" smtClean="0"/>
+              <a:rPr lang="en-US" dirty="0"/>
               <a:t>Refactor Your Architecture Event Sourcing</a:t>
             </a:r>
-            <a:endParaRPr lang="en-US" dirty="0"/>
           </a:p>
         </p:txBody>
       </p:sp>
@@ -7739,10 +7634,9 @@
           <a:p>
             <a:pPr algn="ctr"/>
             <a:r>
-              <a:rPr lang="en-US" dirty="0" smtClean="0"/>
+              <a:rPr lang="en-US" dirty="0"/>
               <a:t>Angular JS Client</a:t>
             </a:r>
-            <a:endParaRPr lang="en-US" dirty="0"/>
           </a:p>
         </p:txBody>
       </p:sp>
@@ -7783,7 +7677,7 @@
           <a:p>
             <a:pPr algn="ctr"/>
             <a:r>
-              <a:rPr lang="en-US" dirty="0" err="1" smtClean="0"/>
+              <a:rPr lang="en-US" dirty="0" err="1"/>
               <a:t>IRepository</a:t>
             </a:r>
             <a:endParaRPr lang="en-US" dirty="0"/>
@@ -7827,18 +7721,17 @@
           <a:p>
             <a:pPr algn="ctr"/>
             <a:r>
-              <a:rPr lang="en-US" dirty="0" smtClean="0"/>
+              <a:rPr lang="en-US" dirty="0"/>
               <a:t>JSON REST Service (</a:t>
             </a:r>
             <a:r>
-              <a:rPr lang="en-US" dirty="0" err="1" smtClean="0"/>
+              <a:rPr lang="en-US" dirty="0" err="1"/>
               <a:t>WebApi</a:t>
             </a:r>
             <a:r>
-              <a:rPr lang="en-US" dirty="0" smtClean="0"/>
+              <a:rPr lang="en-US" dirty="0"/>
               <a:t>)</a:t>
             </a:r>
-            <a:endParaRPr lang="en-US" dirty="0"/>
           </a:p>
         </p:txBody>
       </p:sp>
@@ -7879,10 +7772,9 @@
           <a:p>
             <a:pPr algn="ctr"/>
             <a:r>
-              <a:rPr lang="en-US" dirty="0" smtClean="0"/>
+              <a:rPr lang="en-US" dirty="0"/>
               <a:t>MS SQL Server</a:t>
             </a:r>
-            <a:endParaRPr lang="en-US" dirty="0"/>
           </a:p>
         </p:txBody>
       </p:sp>
@@ -8285,25 +8177,24 @@
             <a:p>
               <a:pPr algn="ctr"/>
               <a:r>
-                <a:rPr lang="en-US" dirty="0" smtClean="0"/>
+                <a:rPr lang="en-US" dirty="0"/>
                 <a:t>Persistent</a:t>
               </a:r>
             </a:p>
             <a:p>
               <a:pPr algn="ctr"/>
               <a:r>
-                <a:rPr lang="en-US" dirty="0" err="1" smtClean="0"/>
+                <a:rPr lang="en-US" dirty="0" err="1"/>
                 <a:t>ViewModel</a:t>
               </a:r>
-              <a:endParaRPr lang="en-US" dirty="0" smtClean="0"/>
+              <a:endParaRPr lang="en-US" dirty="0"/>
             </a:p>
             <a:p>
               <a:pPr algn="ctr"/>
               <a:r>
-                <a:rPr lang="en-US" dirty="0" smtClean="0"/>
+                <a:rPr lang="en-US" dirty="0"/>
                 <a:t>Cache</a:t>
               </a:r>
-              <a:endParaRPr lang="en-US" dirty="0"/>
             </a:p>
           </p:txBody>
         </p:sp>
@@ -8345,10 +8236,9 @@
           <a:p>
             <a:pPr algn="ctr"/>
             <a:r>
-              <a:rPr lang="en-US" dirty="0" smtClean="0"/>
+              <a:rPr lang="en-US" dirty="0"/>
               <a:t>Event Stream</a:t>
             </a:r>
-            <a:endParaRPr lang="en-US" dirty="0"/>
           </a:p>
         </p:txBody>
       </p:sp>
@@ -8389,17 +8279,16 @@
           <a:p>
             <a:pPr algn="ctr"/>
             <a:r>
-              <a:rPr lang="en-US" dirty="0" smtClean="0"/>
+              <a:rPr lang="en-US" dirty="0"/>
               <a:t>MS SQL Server</a:t>
             </a:r>
           </a:p>
           <a:p>
             <a:pPr algn="ctr"/>
             <a:r>
-              <a:rPr lang="en-US" dirty="0" smtClean="0"/>
+              <a:rPr lang="en-US" dirty="0"/>
               <a:t>(Events)</a:t>
             </a:r>
-            <a:endParaRPr lang="en-US" dirty="0"/>
           </a:p>
         </p:txBody>
       </p:sp>
@@ -8480,14 +8369,13 @@
           <a:p>
             <a:pPr algn="ctr"/>
             <a:r>
-              <a:rPr lang="en-US" sz="1400" dirty="0" err="1" smtClean="0"/>
+              <a:rPr lang="en-US" sz="1400" dirty="0" err="1"/>
               <a:t>ViewModel</a:t>
             </a:r>
             <a:r>
-              <a:rPr lang="en-US" sz="1400" dirty="0" smtClean="0"/>
+              <a:rPr lang="en-US" sz="1400" dirty="0"/>
               <a:t> Projection</a:t>
             </a:r>
-            <a:endParaRPr lang="en-US" sz="1400" dirty="0"/>
           </a:p>
         </p:txBody>
       </p:sp>
@@ -8528,10 +8416,9 @@
           <a:p>
             <a:pPr algn="ctr"/>
             <a:r>
-              <a:rPr lang="en-US" sz="1400" dirty="0" smtClean="0"/>
+              <a:rPr lang="en-US" sz="1400" dirty="0"/>
               <a:t>DB Projection</a:t>
             </a:r>
-            <a:endParaRPr lang="en-US" sz="1400" dirty="0"/>
           </a:p>
         </p:txBody>
       </p:sp>
@@ -8764,10 +8651,9 @@
           <a:p>
             <a:pPr algn="ctr"/>
             <a:r>
-              <a:rPr lang="en-US" dirty="0" smtClean="0"/>
+              <a:rPr lang="en-US" dirty="0"/>
               <a:t>POCO Entity</a:t>
             </a:r>
-            <a:endParaRPr lang="en-US" dirty="0"/>
           </a:p>
         </p:txBody>
       </p:sp>
@@ -8808,7 +8694,7 @@
           <a:p>
             <a:pPr algn="ctr"/>
             <a:r>
-              <a:rPr lang="en-US" dirty="0" err="1" smtClean="0"/>
+              <a:rPr lang="en-US" dirty="0" err="1"/>
               <a:t>DataContext</a:t>
             </a:r>
             <a:endParaRPr lang="en-US" dirty="0"/>
@@ -8885,14 +8771,13 @@
           <a:p>
             <a:pPr algn="ctr"/>
             <a:r>
-              <a:rPr lang="en-US" dirty="0" err="1" smtClean="0"/>
+              <a:rPr lang="en-US" dirty="0" err="1"/>
               <a:t>ViewModel</a:t>
             </a:r>
             <a:r>
-              <a:rPr lang="en-US" dirty="0" smtClean="0"/>
+              <a:rPr lang="en-US" dirty="0"/>
               <a:t> Manager</a:t>
             </a:r>
-            <a:endParaRPr lang="en-US" dirty="0"/>
           </a:p>
         </p:txBody>
       </p:sp>
@@ -8933,17 +8818,16 @@
           <a:p>
             <a:pPr algn="ctr"/>
             <a:r>
-              <a:rPr lang="en-US" dirty="0" smtClean="0"/>
+              <a:rPr lang="en-US" dirty="0"/>
               <a:t>View</a:t>
             </a:r>
           </a:p>
           <a:p>
             <a:pPr algn="ctr"/>
             <a:r>
-              <a:rPr lang="en-US" dirty="0" smtClean="0"/>
+              <a:rPr lang="en-US" dirty="0"/>
               <a:t>Model</a:t>
             </a:r>
-            <a:endParaRPr lang="en-US" dirty="0"/>
           </a:p>
         </p:txBody>
       </p:sp>
@@ -8990,13 +8874,6 @@
   <p:clrMapOvr>
     <a:masterClrMapping/>
   </p:clrMapOvr>
-  <p:timing>
-    <p:tnLst>
-      <p:par>
-        <p:cTn id="1" dur="indefinite" restart="never" nodeType="tmRoot"/>
-      </p:par>
-    </p:tnLst>
-  </p:timing>
 </p:sld>
 </file>
 
@@ -9033,10 +8910,9 @@
           <a:lstStyle/>
           <a:p>
             <a:r>
-              <a:rPr lang="en-US" dirty="0" smtClean="0"/>
+              <a:rPr lang="en-US" dirty="0"/>
               <a:t>CQRS!</a:t>
             </a:r>
-            <a:endParaRPr lang="en-US" dirty="0"/>
           </a:p>
         </p:txBody>
       </p:sp>
@@ -9077,10 +8953,9 @@
           <a:p>
             <a:pPr algn="ctr"/>
             <a:r>
-              <a:rPr lang="en-US" dirty="0" smtClean="0"/>
+              <a:rPr lang="en-US" dirty="0"/>
               <a:t>Angular JS Client</a:t>
             </a:r>
-            <a:endParaRPr lang="en-US" dirty="0"/>
           </a:p>
         </p:txBody>
       </p:sp>
@@ -9121,7 +8996,7 @@
           <a:p>
             <a:pPr algn="ctr"/>
             <a:r>
-              <a:rPr lang="en-US" dirty="0" err="1" smtClean="0"/>
+              <a:rPr lang="en-US" dirty="0" err="1"/>
               <a:t>IRepository</a:t>
             </a:r>
             <a:endParaRPr lang="en-US" dirty="0"/>
@@ -9165,18 +9040,17 @@
           <a:p>
             <a:pPr algn="ctr"/>
             <a:r>
-              <a:rPr lang="en-US" dirty="0" smtClean="0"/>
+              <a:rPr lang="en-US" dirty="0"/>
               <a:t>JSON REST Service (</a:t>
             </a:r>
             <a:r>
-              <a:rPr lang="en-US" dirty="0" err="1" smtClean="0"/>
+              <a:rPr lang="en-US" dirty="0" err="1"/>
               <a:t>WebApi</a:t>
             </a:r>
             <a:r>
-              <a:rPr lang="en-US" dirty="0" smtClean="0"/>
+              <a:rPr lang="en-US" dirty="0"/>
               <a:t>)</a:t>
             </a:r>
-            <a:endParaRPr lang="en-US" dirty="0"/>
           </a:p>
         </p:txBody>
       </p:sp>
@@ -9217,10 +9091,9 @@
           <a:p>
             <a:pPr algn="ctr"/>
             <a:r>
-              <a:rPr lang="en-US" dirty="0" smtClean="0"/>
+              <a:rPr lang="en-US" dirty="0"/>
               <a:t>MS SQL Server</a:t>
             </a:r>
-            <a:endParaRPr lang="en-US" dirty="0"/>
           </a:p>
         </p:txBody>
       </p:sp>
@@ -9623,25 +9496,24 @@
             <a:p>
               <a:pPr algn="ctr"/>
               <a:r>
-                <a:rPr lang="en-US" dirty="0" smtClean="0"/>
+                <a:rPr lang="en-US" dirty="0"/>
                 <a:t>Persistent</a:t>
               </a:r>
             </a:p>
             <a:p>
               <a:pPr algn="ctr"/>
               <a:r>
-                <a:rPr lang="en-US" dirty="0" err="1" smtClean="0"/>
+                <a:rPr lang="en-US" dirty="0" err="1"/>
                 <a:t>ViewModel</a:t>
               </a:r>
-              <a:endParaRPr lang="en-US" dirty="0" smtClean="0"/>
+              <a:endParaRPr lang="en-US" dirty="0"/>
             </a:p>
             <a:p>
               <a:pPr algn="ctr"/>
               <a:r>
-                <a:rPr lang="en-US" dirty="0" smtClean="0"/>
+                <a:rPr lang="en-US" dirty="0"/>
                 <a:t>Cache</a:t>
               </a:r>
-              <a:endParaRPr lang="en-US" dirty="0"/>
             </a:p>
           </p:txBody>
         </p:sp>
@@ -9683,10 +9555,9 @@
           <a:p>
             <a:pPr algn="ctr"/>
             <a:r>
-              <a:rPr lang="en-US" dirty="0" smtClean="0"/>
+              <a:rPr lang="en-US" dirty="0"/>
               <a:t>Event Stream</a:t>
             </a:r>
-            <a:endParaRPr lang="en-US" dirty="0"/>
           </a:p>
         </p:txBody>
       </p:sp>
@@ -9727,17 +9598,16 @@
           <a:p>
             <a:pPr algn="ctr"/>
             <a:r>
-              <a:rPr lang="en-US" dirty="0" smtClean="0"/>
+              <a:rPr lang="en-US" dirty="0"/>
               <a:t>MS SQL Server</a:t>
             </a:r>
           </a:p>
           <a:p>
             <a:pPr algn="ctr"/>
             <a:r>
-              <a:rPr lang="en-US" dirty="0" smtClean="0"/>
+              <a:rPr lang="en-US" dirty="0"/>
               <a:t>(Events)</a:t>
             </a:r>
-            <a:endParaRPr lang="en-US" dirty="0"/>
           </a:p>
         </p:txBody>
       </p:sp>
@@ -9818,14 +9688,13 @@
           <a:p>
             <a:pPr algn="ctr"/>
             <a:r>
-              <a:rPr lang="en-US" sz="1400" dirty="0" err="1" smtClean="0"/>
+              <a:rPr lang="en-US" sz="1400" dirty="0" err="1"/>
               <a:t>ViewModel</a:t>
             </a:r>
             <a:r>
-              <a:rPr lang="en-US" sz="1400" dirty="0" smtClean="0"/>
+              <a:rPr lang="en-US" sz="1400" dirty="0"/>
               <a:t> Projection</a:t>
             </a:r>
-            <a:endParaRPr lang="en-US" sz="1400" dirty="0"/>
           </a:p>
         </p:txBody>
       </p:sp>
@@ -9866,10 +9735,9 @@
           <a:p>
             <a:pPr algn="ctr"/>
             <a:r>
-              <a:rPr lang="en-US" sz="1400" dirty="0" smtClean="0"/>
+              <a:rPr lang="en-US" sz="1400" dirty="0"/>
               <a:t>DB Projection</a:t>
             </a:r>
-            <a:endParaRPr lang="en-US" sz="1400" dirty="0"/>
           </a:p>
         </p:txBody>
       </p:sp>
@@ -10102,7 +9970,7 @@
           <a:p>
             <a:pPr algn="ctr"/>
             <a:r>
-              <a:rPr lang="en-US" dirty="0" err="1" smtClean="0"/>
+              <a:rPr lang="en-US" dirty="0" err="1"/>
               <a:t>IQueryFacade</a:t>
             </a:r>
             <a:endParaRPr lang="en-US" dirty="0"/>
@@ -10146,10 +10014,9 @@
           <a:p>
             <a:pPr algn="ctr"/>
             <a:r>
-              <a:rPr lang="en-US" dirty="0" smtClean="0"/>
+              <a:rPr lang="en-US" dirty="0"/>
               <a:t>POCO Entity</a:t>
             </a:r>
-            <a:endParaRPr lang="en-US" dirty="0"/>
           </a:p>
         </p:txBody>
       </p:sp>
@@ -10190,7 +10057,7 @@
           <a:p>
             <a:pPr algn="ctr"/>
             <a:r>
-              <a:rPr lang="en-US" dirty="0" err="1" smtClean="0"/>
+              <a:rPr lang="en-US" dirty="0" err="1"/>
               <a:t>DataContext</a:t>
             </a:r>
             <a:endParaRPr lang="en-US" dirty="0"/>
@@ -10267,14 +10134,13 @@
           <a:p>
             <a:pPr algn="ctr"/>
             <a:r>
-              <a:rPr lang="en-US" dirty="0" err="1" smtClean="0"/>
+              <a:rPr lang="en-US" dirty="0" err="1"/>
               <a:t>ViewModel</a:t>
             </a:r>
             <a:r>
-              <a:rPr lang="en-US" dirty="0" smtClean="0"/>
+              <a:rPr lang="en-US" dirty="0"/>
               <a:t> Manager</a:t>
             </a:r>
-            <a:endParaRPr lang="en-US" dirty="0"/>
           </a:p>
         </p:txBody>
       </p:sp>
@@ -10315,7 +10181,7 @@
           <a:p>
             <a:pPr algn="ctr"/>
             <a:r>
-              <a:rPr lang="en-US" dirty="0" err="1" smtClean="0"/>
+              <a:rPr lang="en-US" dirty="0" err="1"/>
               <a:t>ViewModel</a:t>
             </a:r>
             <a:endParaRPr lang="en-US" dirty="0"/>
@@ -10365,13 +10231,6 @@
   <p:clrMapOvr>
     <a:masterClrMapping/>
   </p:clrMapOvr>
-  <p:timing>
-    <p:tnLst>
-      <p:par>
-        <p:cTn id="1" dur="indefinite" restart="never" nodeType="tmRoot"/>
-      </p:par>
-    </p:tnLst>
-  </p:timing>
 </p:sld>
 </file>
 
@@ -10408,10 +10267,9 @@
           <a:lstStyle/>
           <a:p>
             <a:r>
-              <a:rPr lang="en-US" dirty="0" smtClean="0"/>
+              <a:rPr lang="en-US" dirty="0"/>
               <a:t>Code Demo</a:t>
             </a:r>
-            <a:endParaRPr lang="en-US" dirty="0"/>
           </a:p>
         </p:txBody>
       </p:sp>
@@ -10481,13 +10339,6 @@
   <p:clrMapOvr>
     <a:masterClrMapping/>
   </p:clrMapOvr>
-  <p:timing>
-    <p:tnLst>
-      <p:par>
-        <p:cTn id="1" dur="indefinite" restart="never" nodeType="tmRoot"/>
-      </p:par>
-    </p:tnLst>
-  </p:timing>
 </p:sld>
 </file>
 
@@ -10753,7 +10604,7 @@
   <a:extraClrSchemeLst/>
   <a:extLst>
     <a:ext uri="{05A4C25C-085E-4340-85A3-A5531E510DB2}">
-      <thm15:themeFamily xmlns="" xmlns:thm15="http://schemas.microsoft.com/office/thememl/2012/main" name="Integral" id="{3577F8C9-A904-41D8-97D2-FD898F53F20E}" vid="{4825F1AF-8DBC-4E3D-9F3D-688338DA83FC}"/>
+      <thm15:themeFamily xmlns:thm15="http://schemas.microsoft.com/office/thememl/2012/main" name="Integral" id="{3577F8C9-A904-41D8-97D2-FD898F53F20E}" vid="{4825F1AF-8DBC-4E3D-9F3D-688338DA83FC}"/>
     </a:ext>
   </a:extLst>
 </a:theme>
